--- a/Project1_presentation7_10_19.pptx
+++ b/Project1_presentation7_10_19.pptx
@@ -5495,159 +5495,151 @@
           </a:p>
         </p:txBody>
       </p:sp>
+      <p:sp>
+        <p:nvSpPr>
+          <p:cNvPr id="4" name="TextBox 3">
+            <a:extLst>
+              <a:ext uri="{FF2B5EF4-FFF2-40B4-BE49-F238E27FC236}">
+                <a16:creationId xmlns:a16="http://schemas.microsoft.com/office/drawing/2014/main" id="{9A764551-52ED-4A30-B5F0-03AE93ECAFC3}"/>
+              </a:ext>
+            </a:extLst>
+          </p:cNvPr>
+          <p:cNvSpPr txBox="1"/>
+          <p:nvPr/>
+        </p:nvSpPr>
+        <p:spPr>
+          <a:xfrm>
+            <a:off x="739589" y="4727219"/>
+            <a:ext cx="8305800" cy="1754326"/>
+          </a:xfrm>
+          <a:prstGeom prst="rect">
+            <a:avLst/>
+          </a:prstGeom>
+          <a:noFill/>
+        </p:spPr>
+        <p:txBody>
+          <a:bodyPr wrap="square" rtlCol="0">
+            <a:spAutoFit/>
+          </a:bodyPr>
+          <a:lstStyle/>
+          <a:p>
+            <a:r>
+              <a:rPr lang="en-US" altLang="ko-KR" dirty="0"/>
+              <a:t>Significant difference between two data,</a:t>
+            </a:r>
+          </a:p>
+          <a:p>
+            <a:r>
+              <a:rPr lang="en-US" altLang="ko-KR" dirty="0"/>
+              <a:t>Why? Maybe because apple users are more likely to spend money on apps? Proof of iPhone price? Stricter process to upload apps?</a:t>
+            </a:r>
+          </a:p>
+          <a:p>
+            <a:endParaRPr lang="en-US" altLang="ko-KR" dirty="0"/>
+          </a:p>
+          <a:p>
+            <a:r>
+              <a:rPr lang="en-US" altLang="ko-KR" dirty="0"/>
+              <a:t>Because of significance lead us to combine two datasets to account to look from more general perspective</a:t>
+            </a:r>
+            <a:endParaRPr lang="ko-KR" altLang="en-US" dirty="0"/>
+          </a:p>
+        </p:txBody>
+      </p:sp>
       <p:pic>
         <p:nvPicPr>
-          <p:cNvPr id="1028" name="Picture 4">
-            <a:extLst>
-              <a:ext uri="{FF2B5EF4-FFF2-40B4-BE49-F238E27FC236}">
-                <a16:creationId xmlns:a16="http://schemas.microsoft.com/office/drawing/2014/main" id="{7AE5D850-9B17-4719-A260-B3395243B42F}"/>
+          <p:cNvPr id="6" name="Picture 5">
+            <a:extLst>
+              <a:ext uri="{FF2B5EF4-FFF2-40B4-BE49-F238E27FC236}">
+                <a16:creationId xmlns:a16="http://schemas.microsoft.com/office/drawing/2014/main" id="{E0CCEF36-1DEE-4A09-8302-2C8BFBF21DE0}"/>
               </a:ext>
             </a:extLst>
           </p:cNvPr>
           <p:cNvPicPr>
-            <a:picLocks noGrp="1" noChangeAspect="1" noChangeArrowheads="1"/>
+            <a:picLocks noChangeAspect="1"/>
           </p:cNvPicPr>
-          <p:nvPr>
-            <p:ph idx="1"/>
-          </p:nvPr>
+          <p:nvPr/>
         </p:nvPicPr>
         <p:blipFill>
-          <a:blip r:embed="rId2">
-            <a:extLst>
-              <a:ext uri="{28A0092B-C50C-407E-A947-70E740481C1C}">
-                <a14:useLocalDpi xmlns:a14="http://schemas.microsoft.com/office/drawing/2010/main" val="0"/>
-              </a:ext>
-            </a:extLst>
-          </a:blip>
-          <a:srcRect/>
+          <a:blip r:embed="rId2"/>
           <a:stretch>
             <a:fillRect/>
           </a:stretch>
         </p:blipFill>
-        <p:spPr bwMode="auto">
-          <a:xfrm>
-            <a:off x="1323546" y="1538793"/>
-            <a:ext cx="3201129" cy="3188426"/>
+        <p:spPr>
+          <a:xfrm>
+            <a:off x="9362408" y="5372695"/>
+            <a:ext cx="1109568" cy="1249788"/>
           </a:xfrm>
           <a:prstGeom prst="rect">
             <a:avLst/>
           </a:prstGeom>
-          <a:noFill/>
-          <a:extLst>
-            <a:ext uri="{909E8E84-426E-40DD-AFC4-6F175D3DCCD1}">
-              <a14:hiddenFill xmlns:a14="http://schemas.microsoft.com/office/drawing/2010/main">
-                <a:solidFill>
-                  <a:srgbClr val="FFFFFF"/>
-                </a:solidFill>
-              </a14:hiddenFill>
-            </a:ext>
-          </a:extLst>
         </p:spPr>
       </p:pic>
       <p:pic>
         <p:nvPicPr>
-          <p:cNvPr id="1030" name="Picture 6">
-            <a:extLst>
-              <a:ext uri="{FF2B5EF4-FFF2-40B4-BE49-F238E27FC236}">
-                <a16:creationId xmlns:a16="http://schemas.microsoft.com/office/drawing/2014/main" id="{8547C545-02CE-4C40-8EDD-F0357ED20151}"/>
+          <p:cNvPr id="7" name="Picture 6">
+            <a:extLst>
+              <a:ext uri="{FF2B5EF4-FFF2-40B4-BE49-F238E27FC236}">
+                <a16:creationId xmlns:a16="http://schemas.microsoft.com/office/drawing/2014/main" id="{EE5E966A-CF7C-4952-8723-4644C59952C3}"/>
               </a:ext>
             </a:extLst>
           </p:cNvPr>
           <p:cNvPicPr>
-            <a:picLocks noChangeAspect="1" noChangeArrowheads="1"/>
+            <a:picLocks noChangeAspect="1"/>
           </p:cNvPicPr>
           <p:nvPr/>
         </p:nvPicPr>
         <p:blipFill>
-          <a:blip r:embed="rId3">
-            <a:extLst>
-              <a:ext uri="{28A0092B-C50C-407E-A947-70E740481C1C}">
-                <a14:useLocalDpi xmlns:a14="http://schemas.microsoft.com/office/drawing/2010/main" val="0"/>
-              </a:ext>
-            </a:extLst>
-          </a:blip>
-          <a:srcRect/>
+          <a:blip r:embed="rId3"/>
           <a:stretch>
             <a:fillRect/>
           </a:stretch>
         </p:blipFill>
-        <p:spPr bwMode="auto">
-          <a:xfrm>
-            <a:off x="6053311" y="1538793"/>
-            <a:ext cx="3309097" cy="3194551"/>
+        <p:spPr>
+          <a:xfrm>
+            <a:off x="10933375" y="5372695"/>
+            <a:ext cx="1182727" cy="1182727"/>
           </a:xfrm>
           <a:prstGeom prst="rect">
             <a:avLst/>
           </a:prstGeom>
-          <a:noFill/>
-          <a:extLst>
-            <a:ext uri="{909E8E84-426E-40DD-AFC4-6F175D3DCCD1}">
-              <a14:hiddenFill xmlns:a14="http://schemas.microsoft.com/office/drawing/2010/main">
-                <a:solidFill>
-                  <a:srgbClr val="FFFFFF"/>
-                </a:solidFill>
-              </a14:hiddenFill>
-            </a:ext>
-          </a:extLst>
         </p:spPr>
       </p:pic>
       <p:sp>
         <p:nvSpPr>
-          <p:cNvPr id="4" name="TextBox 3">
-            <a:extLst>
-              <a:ext uri="{FF2B5EF4-FFF2-40B4-BE49-F238E27FC236}">
-                <a16:creationId xmlns:a16="http://schemas.microsoft.com/office/drawing/2014/main" id="{9A764551-52ED-4A30-B5F0-03AE93ECAFC3}"/>
-              </a:ext>
-            </a:extLst>
-          </p:cNvPr>
-          <p:cNvSpPr txBox="1"/>
-          <p:nvPr/>
-        </p:nvSpPr>
-        <p:spPr>
-          <a:xfrm>
-            <a:off x="739589" y="4727219"/>
-            <a:ext cx="8305800" cy="1754326"/>
-          </a:xfrm>
-          <a:prstGeom prst="rect">
-            <a:avLst/>
-          </a:prstGeom>
-          <a:noFill/>
-        </p:spPr>
-        <p:txBody>
-          <a:bodyPr wrap="square" rtlCol="0">
-            <a:spAutoFit/>
-          </a:bodyPr>
-          <a:lstStyle/>
-          <a:p>
-            <a:r>
-              <a:rPr lang="en-US" altLang="ko-KR" dirty="0"/>
-              <a:t>Significant difference between two data,</a:t>
-            </a:r>
-          </a:p>
-          <a:p>
-            <a:r>
-              <a:rPr lang="en-US" altLang="ko-KR" dirty="0"/>
-              <a:t>Why? Maybe because apple users are more likely to spend money on apps? Proof of iPhone price? Stricter process to upload apps?</a:t>
-            </a:r>
-          </a:p>
-          <a:p>
-            <a:endParaRPr lang="en-US" altLang="ko-KR" dirty="0"/>
-          </a:p>
-          <a:p>
-            <a:r>
-              <a:rPr lang="en-US" altLang="ko-KR" dirty="0"/>
-              <a:t>Because of significance lead us to combine two datasets to account to look from more general perspective</a:t>
-            </a:r>
+          <p:cNvPr id="3" name="Content Placeholder 2">
+            <a:extLst>
+              <a:ext uri="{FF2B5EF4-FFF2-40B4-BE49-F238E27FC236}">
+                <a16:creationId xmlns:a16="http://schemas.microsoft.com/office/drawing/2014/main" id="{4CEA3E65-5A9B-4528-92E2-9BCB3B1BF440}"/>
+              </a:ext>
+            </a:extLst>
+          </p:cNvPr>
+          <p:cNvSpPr>
+            <a:spLocks noGrp="1"/>
+          </p:cNvSpPr>
+          <p:nvPr>
+            <p:ph idx="1"/>
+          </p:nvPr>
+        </p:nvSpPr>
+        <p:spPr/>
+        <p:txBody>
+          <a:bodyPr/>
+          <a:lstStyle/>
+          <a:p>
+            <a:pPr marL="0" indent="0">
+              <a:buNone/>
+            </a:pPr>
             <a:endParaRPr lang="ko-KR" altLang="en-US" dirty="0"/>
           </a:p>
         </p:txBody>
       </p:sp>
       <p:pic>
         <p:nvPicPr>
-          <p:cNvPr id="6" name="Picture 5">
-            <a:extLst>
-              <a:ext uri="{FF2B5EF4-FFF2-40B4-BE49-F238E27FC236}">
-                <a16:creationId xmlns:a16="http://schemas.microsoft.com/office/drawing/2014/main" id="{E0CCEF36-1DEE-4A09-8302-2C8BFBF21DE0}"/>
+          <p:cNvPr id="5" name="Picture 4">
+            <a:extLst>
+              <a:ext uri="{FF2B5EF4-FFF2-40B4-BE49-F238E27FC236}">
+                <a16:creationId xmlns:a16="http://schemas.microsoft.com/office/drawing/2014/main" id="{9AB0C9D6-D622-4D20-811B-9D7D61E6B3B6}"/>
               </a:ext>
             </a:extLst>
           </p:cNvPr>
@@ -5664,8 +5656,8 @@
         </p:blipFill>
         <p:spPr>
           <a:xfrm>
-            <a:off x="9362408" y="5372695"/>
-            <a:ext cx="1109568" cy="1249788"/>
+            <a:off x="2124075" y="2217486"/>
+            <a:ext cx="2838450" cy="2589463"/>
           </a:xfrm>
           <a:prstGeom prst="rect">
             <a:avLst/>
@@ -5674,10 +5666,10 @@
       </p:pic>
       <p:pic>
         <p:nvPicPr>
-          <p:cNvPr id="7" name="Picture 6">
-            <a:extLst>
-              <a:ext uri="{FF2B5EF4-FFF2-40B4-BE49-F238E27FC236}">
-                <a16:creationId xmlns:a16="http://schemas.microsoft.com/office/drawing/2014/main" id="{EE5E966A-CF7C-4952-8723-4644C59952C3}"/>
+          <p:cNvPr id="8" name="Picture 7">
+            <a:extLst>
+              <a:ext uri="{FF2B5EF4-FFF2-40B4-BE49-F238E27FC236}">
+                <a16:creationId xmlns:a16="http://schemas.microsoft.com/office/drawing/2014/main" id="{16B4B554-9F26-4354-95D3-9B58ADA8FAC2}"/>
               </a:ext>
             </a:extLst>
           </p:cNvPr>
@@ -5694,8 +5686,8 @@
         </p:blipFill>
         <p:spPr>
           <a:xfrm>
-            <a:off x="10933375" y="5372695"/>
-            <a:ext cx="1182727" cy="1182727"/>
+            <a:off x="6274632" y="2217627"/>
+            <a:ext cx="2916993" cy="2509592"/>
           </a:xfrm>
           <a:prstGeom prst="rect">
             <a:avLst/>
